--- a/ppt 16-9/0324.主啊！我需要.pptx
+++ b/ppt 16-9/0324.主啊！我需要.pptx
@@ -5,7 +5,7 @@
     <p:sldMasterId id="2147483648" r:id="rId1"/>
   </p:sldMasterIdLst>
   <p:sldIdLst>
-    <p:sldId id="3215" r:id="rId2"/>
+    <p:sldId id="3216" r:id="rId2"/>
   </p:sldIdLst>
   <p:sldSz cx="12192000" cy="6858000"/>
   <p:notesSz cx="6858000" cy="9144000"/>
@@ -129,7 +129,7 @@
           <p:cNvPr id="2" name="标题 1">
             <a:extLst>
               <a:ext uri="{FF2B5EF4-FFF2-40B4-BE49-F238E27FC236}">
-                <a16:creationId xmlns:a16="http://schemas.microsoft.com/office/drawing/2014/main" id="{65AC71F0-EC46-9B00-3CAA-EE323DD2DB5E}"/>
+                <a16:creationId xmlns:a16="http://schemas.microsoft.com/office/drawing/2014/main" id="{A37CA8AC-0239-449D-F486-83E22C0DBF23}"/>
               </a:ext>
             </a:extLst>
           </p:cNvPr>
@@ -166,7 +166,7 @@
           <p:cNvPr id="3" name="副标题 2">
             <a:extLst>
               <a:ext uri="{FF2B5EF4-FFF2-40B4-BE49-F238E27FC236}">
-                <a16:creationId xmlns:a16="http://schemas.microsoft.com/office/drawing/2014/main" id="{39B1DC6A-5D57-6B54-E4BF-5CBC26C4C7F4}"/>
+                <a16:creationId xmlns:a16="http://schemas.microsoft.com/office/drawing/2014/main" id="{A82BA02B-438F-2690-8966-EE3C556B1B43}"/>
               </a:ext>
             </a:extLst>
           </p:cNvPr>
@@ -236,7 +236,7 @@
           <p:cNvPr id="4" name="日期占位符 3">
             <a:extLst>
               <a:ext uri="{FF2B5EF4-FFF2-40B4-BE49-F238E27FC236}">
-                <a16:creationId xmlns:a16="http://schemas.microsoft.com/office/drawing/2014/main" id="{0CD14DC5-F77C-BCAE-2D73-6F9C2C2C15FA}"/>
+                <a16:creationId xmlns:a16="http://schemas.microsoft.com/office/drawing/2014/main" id="{8F27629A-A412-4AD9-599B-984719E75E41}"/>
               </a:ext>
             </a:extLst>
           </p:cNvPr>
@@ -252,7 +252,7 @@
           <a:bodyPr/>
           <a:lstStyle/>
           <a:p>
-            <a:fld id="{AE791322-2E2C-4236-BF62-A4A755FF58E3}" type="datetimeFigureOut">
+            <a:fld id="{D6CE6485-3815-42C4-ACDE-7B137D3B10DA}" type="datetimeFigureOut">
               <a:rPr lang="zh-CN" altLang="en-US" smtClean="0"/>
               <a:t>2024/3/10</a:t>
             </a:fld>
@@ -265,7 +265,7 @@
           <p:cNvPr id="5" name="页脚占位符 4">
             <a:extLst>
               <a:ext uri="{FF2B5EF4-FFF2-40B4-BE49-F238E27FC236}">
-                <a16:creationId xmlns:a16="http://schemas.microsoft.com/office/drawing/2014/main" id="{7CF4864A-7B46-6744-7C72-E02E74E86A12}"/>
+                <a16:creationId xmlns:a16="http://schemas.microsoft.com/office/drawing/2014/main" id="{2DB682FA-B30F-08B7-8F3A-B420EF64E30B}"/>
               </a:ext>
             </a:extLst>
           </p:cNvPr>
@@ -290,7 +290,7 @@
           <p:cNvPr id="6" name="灯片编号占位符 5">
             <a:extLst>
               <a:ext uri="{FF2B5EF4-FFF2-40B4-BE49-F238E27FC236}">
-                <a16:creationId xmlns:a16="http://schemas.microsoft.com/office/drawing/2014/main" id="{FD1A4E51-63A4-C7CD-D460-C17E0C375A26}"/>
+                <a16:creationId xmlns:a16="http://schemas.microsoft.com/office/drawing/2014/main" id="{7B016EDB-2E7A-BFB1-319F-43A077CFCD7D}"/>
               </a:ext>
             </a:extLst>
           </p:cNvPr>
@@ -306,7 +306,7 @@
           <a:bodyPr/>
           <a:lstStyle/>
           <a:p>
-            <a:fld id="{EC3987D3-B08C-4923-85BD-FC4CC5B75BFB}" type="slidenum">
+            <a:fld id="{E7050A2E-CB4F-45C0-9540-0E8B92B04948}" type="slidenum">
               <a:rPr lang="zh-CN" altLang="en-US" smtClean="0"/>
               <a:t>‹#›</a:t>
             </a:fld>
@@ -317,7 +317,7 @@
     </p:spTree>
     <p:extLst>
       <p:ext uri="{BB962C8B-B14F-4D97-AF65-F5344CB8AC3E}">
-        <p14:creationId xmlns:p14="http://schemas.microsoft.com/office/powerpoint/2010/main" val="3987272909"/>
+        <p14:creationId xmlns:p14="http://schemas.microsoft.com/office/powerpoint/2010/main" val="2878953488"/>
       </p:ext>
     </p:extLst>
   </p:cSld>
@@ -349,7 +349,7 @@
           <p:cNvPr id="2" name="标题 1">
             <a:extLst>
               <a:ext uri="{FF2B5EF4-FFF2-40B4-BE49-F238E27FC236}">
-                <a16:creationId xmlns:a16="http://schemas.microsoft.com/office/drawing/2014/main" id="{D689FD0A-FB20-DAFE-5D55-81518E5723F3}"/>
+                <a16:creationId xmlns:a16="http://schemas.microsoft.com/office/drawing/2014/main" id="{AA73A521-0A7C-04F5-2339-8C51899ADEA8}"/>
               </a:ext>
             </a:extLst>
           </p:cNvPr>
@@ -377,7 +377,7 @@
           <p:cNvPr id="3" name="竖排文字占位符 2">
             <a:extLst>
               <a:ext uri="{FF2B5EF4-FFF2-40B4-BE49-F238E27FC236}">
-                <a16:creationId xmlns:a16="http://schemas.microsoft.com/office/drawing/2014/main" id="{C57FA936-C365-98F5-D1FA-B0C18C2758A0}"/>
+                <a16:creationId xmlns:a16="http://schemas.microsoft.com/office/drawing/2014/main" id="{C9C4EF84-8F90-1287-4E56-4D087F42E1BE}"/>
               </a:ext>
             </a:extLst>
           </p:cNvPr>
@@ -434,7 +434,7 @@
           <p:cNvPr id="4" name="日期占位符 3">
             <a:extLst>
               <a:ext uri="{FF2B5EF4-FFF2-40B4-BE49-F238E27FC236}">
-                <a16:creationId xmlns:a16="http://schemas.microsoft.com/office/drawing/2014/main" id="{8345079D-B86B-67C0-8620-E80CD183BEAE}"/>
+                <a16:creationId xmlns:a16="http://schemas.microsoft.com/office/drawing/2014/main" id="{5F10E862-B04D-5B3C-402E-FB93FF1A665B}"/>
               </a:ext>
             </a:extLst>
           </p:cNvPr>
@@ -450,7 +450,7 @@
           <a:bodyPr/>
           <a:lstStyle/>
           <a:p>
-            <a:fld id="{AE791322-2E2C-4236-BF62-A4A755FF58E3}" type="datetimeFigureOut">
+            <a:fld id="{D6CE6485-3815-42C4-ACDE-7B137D3B10DA}" type="datetimeFigureOut">
               <a:rPr lang="zh-CN" altLang="en-US" smtClean="0"/>
               <a:t>2024/3/10</a:t>
             </a:fld>
@@ -463,7 +463,7 @@
           <p:cNvPr id="5" name="页脚占位符 4">
             <a:extLst>
               <a:ext uri="{FF2B5EF4-FFF2-40B4-BE49-F238E27FC236}">
-                <a16:creationId xmlns:a16="http://schemas.microsoft.com/office/drawing/2014/main" id="{036D2858-5846-75E4-FD6D-0C6AF41EA43A}"/>
+                <a16:creationId xmlns:a16="http://schemas.microsoft.com/office/drawing/2014/main" id="{CFB9EB4F-E5A0-C88C-ABB4-D08C524931DB}"/>
               </a:ext>
             </a:extLst>
           </p:cNvPr>
@@ -488,7 +488,7 @@
           <p:cNvPr id="6" name="灯片编号占位符 5">
             <a:extLst>
               <a:ext uri="{FF2B5EF4-FFF2-40B4-BE49-F238E27FC236}">
-                <a16:creationId xmlns:a16="http://schemas.microsoft.com/office/drawing/2014/main" id="{CEE1244F-A10B-20DA-5363-2BD5EE1FB926}"/>
+                <a16:creationId xmlns:a16="http://schemas.microsoft.com/office/drawing/2014/main" id="{9F956872-57A1-28AB-90D5-87FB00E19F5A}"/>
               </a:ext>
             </a:extLst>
           </p:cNvPr>
@@ -504,7 +504,7 @@
           <a:bodyPr/>
           <a:lstStyle/>
           <a:p>
-            <a:fld id="{EC3987D3-B08C-4923-85BD-FC4CC5B75BFB}" type="slidenum">
+            <a:fld id="{E7050A2E-CB4F-45C0-9540-0E8B92B04948}" type="slidenum">
               <a:rPr lang="zh-CN" altLang="en-US" smtClean="0"/>
               <a:t>‹#›</a:t>
             </a:fld>
@@ -515,7 +515,7 @@
     </p:spTree>
     <p:extLst>
       <p:ext uri="{BB962C8B-B14F-4D97-AF65-F5344CB8AC3E}">
-        <p14:creationId xmlns:p14="http://schemas.microsoft.com/office/powerpoint/2010/main" val="863277923"/>
+        <p14:creationId xmlns:p14="http://schemas.microsoft.com/office/powerpoint/2010/main" val="3728491255"/>
       </p:ext>
     </p:extLst>
   </p:cSld>
@@ -547,7 +547,7 @@
           <p:cNvPr id="2" name="竖排标题 1">
             <a:extLst>
               <a:ext uri="{FF2B5EF4-FFF2-40B4-BE49-F238E27FC236}">
-                <a16:creationId xmlns:a16="http://schemas.microsoft.com/office/drawing/2014/main" id="{D116BF93-BBD3-4DDE-E770-79DF6308573A}"/>
+                <a16:creationId xmlns:a16="http://schemas.microsoft.com/office/drawing/2014/main" id="{CEB46466-5175-4F25-37C6-5B675A18E658}"/>
               </a:ext>
             </a:extLst>
           </p:cNvPr>
@@ -580,7 +580,7 @@
           <p:cNvPr id="3" name="竖排文字占位符 2">
             <a:extLst>
               <a:ext uri="{FF2B5EF4-FFF2-40B4-BE49-F238E27FC236}">
-                <a16:creationId xmlns:a16="http://schemas.microsoft.com/office/drawing/2014/main" id="{3B8C9F7F-10A3-5940-3E64-339546620885}"/>
+                <a16:creationId xmlns:a16="http://schemas.microsoft.com/office/drawing/2014/main" id="{A6540627-AD1A-03AC-54D5-44CEC245FAF9}"/>
               </a:ext>
             </a:extLst>
           </p:cNvPr>
@@ -642,7 +642,7 @@
           <p:cNvPr id="4" name="日期占位符 3">
             <a:extLst>
               <a:ext uri="{FF2B5EF4-FFF2-40B4-BE49-F238E27FC236}">
-                <a16:creationId xmlns:a16="http://schemas.microsoft.com/office/drawing/2014/main" id="{C1469C14-DA99-15CF-B146-05A38C90554E}"/>
+                <a16:creationId xmlns:a16="http://schemas.microsoft.com/office/drawing/2014/main" id="{CFA554AB-6347-A31B-2E0D-73921B492ED9}"/>
               </a:ext>
             </a:extLst>
           </p:cNvPr>
@@ -658,7 +658,7 @@
           <a:bodyPr/>
           <a:lstStyle/>
           <a:p>
-            <a:fld id="{AE791322-2E2C-4236-BF62-A4A755FF58E3}" type="datetimeFigureOut">
+            <a:fld id="{D6CE6485-3815-42C4-ACDE-7B137D3B10DA}" type="datetimeFigureOut">
               <a:rPr lang="zh-CN" altLang="en-US" smtClean="0"/>
               <a:t>2024/3/10</a:t>
             </a:fld>
@@ -671,7 +671,7 @@
           <p:cNvPr id="5" name="页脚占位符 4">
             <a:extLst>
               <a:ext uri="{FF2B5EF4-FFF2-40B4-BE49-F238E27FC236}">
-                <a16:creationId xmlns:a16="http://schemas.microsoft.com/office/drawing/2014/main" id="{807D3B21-16A6-69D8-220F-4BD9FFF0F73C}"/>
+                <a16:creationId xmlns:a16="http://schemas.microsoft.com/office/drawing/2014/main" id="{C7DB0CF5-5E61-4FB5-DAA9-754B34B88840}"/>
               </a:ext>
             </a:extLst>
           </p:cNvPr>
@@ -696,7 +696,7 @@
           <p:cNvPr id="6" name="灯片编号占位符 5">
             <a:extLst>
               <a:ext uri="{FF2B5EF4-FFF2-40B4-BE49-F238E27FC236}">
-                <a16:creationId xmlns:a16="http://schemas.microsoft.com/office/drawing/2014/main" id="{9CECD537-14F6-5936-A998-772809D73F93}"/>
+                <a16:creationId xmlns:a16="http://schemas.microsoft.com/office/drawing/2014/main" id="{426B0869-2172-C9F8-E707-FCDD9BEA7FD0}"/>
               </a:ext>
             </a:extLst>
           </p:cNvPr>
@@ -712,7 +712,7 @@
           <a:bodyPr/>
           <a:lstStyle/>
           <a:p>
-            <a:fld id="{EC3987D3-B08C-4923-85BD-FC4CC5B75BFB}" type="slidenum">
+            <a:fld id="{E7050A2E-CB4F-45C0-9540-0E8B92B04948}" type="slidenum">
               <a:rPr lang="zh-CN" altLang="en-US" smtClean="0"/>
               <a:t>‹#›</a:t>
             </a:fld>
@@ -723,7 +723,7 @@
     </p:spTree>
     <p:extLst>
       <p:ext uri="{BB962C8B-B14F-4D97-AF65-F5344CB8AC3E}">
-        <p14:creationId xmlns:p14="http://schemas.microsoft.com/office/powerpoint/2010/main" val="2398212805"/>
+        <p14:creationId xmlns:p14="http://schemas.microsoft.com/office/powerpoint/2010/main" val="1109952418"/>
       </p:ext>
     </p:extLst>
   </p:cSld>
@@ -755,7 +755,7 @@
           <p:cNvPr id="2" name="标题 1">
             <a:extLst>
               <a:ext uri="{FF2B5EF4-FFF2-40B4-BE49-F238E27FC236}">
-                <a16:creationId xmlns:a16="http://schemas.microsoft.com/office/drawing/2014/main" id="{9DF7C628-6C89-1FB1-57EF-851B1192A1B6}"/>
+                <a16:creationId xmlns:a16="http://schemas.microsoft.com/office/drawing/2014/main" id="{D201946F-FC3B-7BCD-F183-6D42247A97CA}"/>
               </a:ext>
             </a:extLst>
           </p:cNvPr>
@@ -783,7 +783,7 @@
           <p:cNvPr id="3" name="内容占位符 2">
             <a:extLst>
               <a:ext uri="{FF2B5EF4-FFF2-40B4-BE49-F238E27FC236}">
-                <a16:creationId xmlns:a16="http://schemas.microsoft.com/office/drawing/2014/main" id="{79DA0A89-876A-F55D-7A29-453FDD805774}"/>
+                <a16:creationId xmlns:a16="http://schemas.microsoft.com/office/drawing/2014/main" id="{10363245-8E30-CAD6-4671-55FCCD852C0F}"/>
               </a:ext>
             </a:extLst>
           </p:cNvPr>
@@ -840,7 +840,7 @@
           <p:cNvPr id="4" name="日期占位符 3">
             <a:extLst>
               <a:ext uri="{FF2B5EF4-FFF2-40B4-BE49-F238E27FC236}">
-                <a16:creationId xmlns:a16="http://schemas.microsoft.com/office/drawing/2014/main" id="{E31E01D8-2FFE-D259-C826-2FBEF6D9D0EB}"/>
+                <a16:creationId xmlns:a16="http://schemas.microsoft.com/office/drawing/2014/main" id="{6C4D929C-CBDB-B86C-2AD6-517B0316D749}"/>
               </a:ext>
             </a:extLst>
           </p:cNvPr>
@@ -856,7 +856,7 @@
           <a:bodyPr/>
           <a:lstStyle/>
           <a:p>
-            <a:fld id="{AE791322-2E2C-4236-BF62-A4A755FF58E3}" type="datetimeFigureOut">
+            <a:fld id="{D6CE6485-3815-42C4-ACDE-7B137D3B10DA}" type="datetimeFigureOut">
               <a:rPr lang="zh-CN" altLang="en-US" smtClean="0"/>
               <a:t>2024/3/10</a:t>
             </a:fld>
@@ -869,7 +869,7 @@
           <p:cNvPr id="5" name="页脚占位符 4">
             <a:extLst>
               <a:ext uri="{FF2B5EF4-FFF2-40B4-BE49-F238E27FC236}">
-                <a16:creationId xmlns:a16="http://schemas.microsoft.com/office/drawing/2014/main" id="{FE7AC271-8EC7-AE53-343B-408116D1AF14}"/>
+                <a16:creationId xmlns:a16="http://schemas.microsoft.com/office/drawing/2014/main" id="{2E562E0F-855D-290C-60F0-006CBC73519E}"/>
               </a:ext>
             </a:extLst>
           </p:cNvPr>
@@ -894,7 +894,7 @@
           <p:cNvPr id="6" name="灯片编号占位符 5">
             <a:extLst>
               <a:ext uri="{FF2B5EF4-FFF2-40B4-BE49-F238E27FC236}">
-                <a16:creationId xmlns:a16="http://schemas.microsoft.com/office/drawing/2014/main" id="{34840DFF-8E69-8D67-F435-CF4238B67CF6}"/>
+                <a16:creationId xmlns:a16="http://schemas.microsoft.com/office/drawing/2014/main" id="{AB0A074C-2E5A-9D60-8C9F-C16A74F8CCF2}"/>
               </a:ext>
             </a:extLst>
           </p:cNvPr>
@@ -910,7 +910,7 @@
           <a:bodyPr/>
           <a:lstStyle/>
           <a:p>
-            <a:fld id="{EC3987D3-B08C-4923-85BD-FC4CC5B75BFB}" type="slidenum">
+            <a:fld id="{E7050A2E-CB4F-45C0-9540-0E8B92B04948}" type="slidenum">
               <a:rPr lang="zh-CN" altLang="en-US" smtClean="0"/>
               <a:t>‹#›</a:t>
             </a:fld>
@@ -921,7 +921,7 @@
     </p:spTree>
     <p:extLst>
       <p:ext uri="{BB962C8B-B14F-4D97-AF65-F5344CB8AC3E}">
-        <p14:creationId xmlns:p14="http://schemas.microsoft.com/office/powerpoint/2010/main" val="3015145935"/>
+        <p14:creationId xmlns:p14="http://schemas.microsoft.com/office/powerpoint/2010/main" val="4150107011"/>
       </p:ext>
     </p:extLst>
   </p:cSld>
@@ -953,7 +953,7 @@
           <p:cNvPr id="2" name="标题 1">
             <a:extLst>
               <a:ext uri="{FF2B5EF4-FFF2-40B4-BE49-F238E27FC236}">
-                <a16:creationId xmlns:a16="http://schemas.microsoft.com/office/drawing/2014/main" id="{A63531D1-58D8-93A9-5C74-4568F6893171}"/>
+                <a16:creationId xmlns:a16="http://schemas.microsoft.com/office/drawing/2014/main" id="{BBD96BA9-4C60-0468-FDC1-36441CFAD99E}"/>
               </a:ext>
             </a:extLst>
           </p:cNvPr>
@@ -990,7 +990,7 @@
           <p:cNvPr id="3" name="文本占位符 2">
             <a:extLst>
               <a:ext uri="{FF2B5EF4-FFF2-40B4-BE49-F238E27FC236}">
-                <a16:creationId xmlns:a16="http://schemas.microsoft.com/office/drawing/2014/main" id="{22850DBB-B73E-7DC0-6282-D9E5F7DF1619}"/>
+                <a16:creationId xmlns:a16="http://schemas.microsoft.com/office/drawing/2014/main" id="{8C2CB7B2-6E6F-0A79-2496-03619A884350}"/>
               </a:ext>
             </a:extLst>
           </p:cNvPr>
@@ -1115,7 +1115,7 @@
           <p:cNvPr id="4" name="日期占位符 3">
             <a:extLst>
               <a:ext uri="{FF2B5EF4-FFF2-40B4-BE49-F238E27FC236}">
-                <a16:creationId xmlns:a16="http://schemas.microsoft.com/office/drawing/2014/main" id="{C17CDB02-6B54-13C3-09E2-E3DF36216B2E}"/>
+                <a16:creationId xmlns:a16="http://schemas.microsoft.com/office/drawing/2014/main" id="{841D419F-7C57-D5BB-E444-91A11CB6BE99}"/>
               </a:ext>
             </a:extLst>
           </p:cNvPr>
@@ -1131,7 +1131,7 @@
           <a:bodyPr/>
           <a:lstStyle/>
           <a:p>
-            <a:fld id="{AE791322-2E2C-4236-BF62-A4A755FF58E3}" type="datetimeFigureOut">
+            <a:fld id="{D6CE6485-3815-42C4-ACDE-7B137D3B10DA}" type="datetimeFigureOut">
               <a:rPr lang="zh-CN" altLang="en-US" smtClean="0"/>
               <a:t>2024/3/10</a:t>
             </a:fld>
@@ -1144,7 +1144,7 @@
           <p:cNvPr id="5" name="页脚占位符 4">
             <a:extLst>
               <a:ext uri="{FF2B5EF4-FFF2-40B4-BE49-F238E27FC236}">
-                <a16:creationId xmlns:a16="http://schemas.microsoft.com/office/drawing/2014/main" id="{EAA31207-ABB6-46D5-8023-926897FC2411}"/>
+                <a16:creationId xmlns:a16="http://schemas.microsoft.com/office/drawing/2014/main" id="{FE5984AF-A027-CCB7-5856-C9EB9EC471B9}"/>
               </a:ext>
             </a:extLst>
           </p:cNvPr>
@@ -1169,7 +1169,7 @@
           <p:cNvPr id="6" name="灯片编号占位符 5">
             <a:extLst>
               <a:ext uri="{FF2B5EF4-FFF2-40B4-BE49-F238E27FC236}">
-                <a16:creationId xmlns:a16="http://schemas.microsoft.com/office/drawing/2014/main" id="{38B610BC-224D-1765-923B-99751A55FB5E}"/>
+                <a16:creationId xmlns:a16="http://schemas.microsoft.com/office/drawing/2014/main" id="{871EFFE3-630C-9737-0B72-0B581B0D3C18}"/>
               </a:ext>
             </a:extLst>
           </p:cNvPr>
@@ -1185,7 +1185,7 @@
           <a:bodyPr/>
           <a:lstStyle/>
           <a:p>
-            <a:fld id="{EC3987D3-B08C-4923-85BD-FC4CC5B75BFB}" type="slidenum">
+            <a:fld id="{E7050A2E-CB4F-45C0-9540-0E8B92B04948}" type="slidenum">
               <a:rPr lang="zh-CN" altLang="en-US" smtClean="0"/>
               <a:t>‹#›</a:t>
             </a:fld>
@@ -1196,7 +1196,7 @@
     </p:spTree>
     <p:extLst>
       <p:ext uri="{BB962C8B-B14F-4D97-AF65-F5344CB8AC3E}">
-        <p14:creationId xmlns:p14="http://schemas.microsoft.com/office/powerpoint/2010/main" val="1808834932"/>
+        <p14:creationId xmlns:p14="http://schemas.microsoft.com/office/powerpoint/2010/main" val="3736276038"/>
       </p:ext>
     </p:extLst>
   </p:cSld>
@@ -1228,7 +1228,7 @@
           <p:cNvPr id="2" name="标题 1">
             <a:extLst>
               <a:ext uri="{FF2B5EF4-FFF2-40B4-BE49-F238E27FC236}">
-                <a16:creationId xmlns:a16="http://schemas.microsoft.com/office/drawing/2014/main" id="{4CE0009C-2390-531E-55D3-50E2D4CD70B9}"/>
+                <a16:creationId xmlns:a16="http://schemas.microsoft.com/office/drawing/2014/main" id="{05733384-8F3A-EFB5-1D84-BE9BA6A8D473}"/>
               </a:ext>
             </a:extLst>
           </p:cNvPr>
@@ -1256,7 +1256,7 @@
           <p:cNvPr id="3" name="内容占位符 2">
             <a:extLst>
               <a:ext uri="{FF2B5EF4-FFF2-40B4-BE49-F238E27FC236}">
-                <a16:creationId xmlns:a16="http://schemas.microsoft.com/office/drawing/2014/main" id="{3F29835D-E79B-4C8D-D7B7-4BF4D4566263}"/>
+                <a16:creationId xmlns:a16="http://schemas.microsoft.com/office/drawing/2014/main" id="{7559904A-7251-9002-A019-E7A44772F7E6}"/>
               </a:ext>
             </a:extLst>
           </p:cNvPr>
@@ -1318,7 +1318,7 @@
           <p:cNvPr id="4" name="内容占位符 3">
             <a:extLst>
               <a:ext uri="{FF2B5EF4-FFF2-40B4-BE49-F238E27FC236}">
-                <a16:creationId xmlns:a16="http://schemas.microsoft.com/office/drawing/2014/main" id="{F3B6F7A6-173C-47F4-8E93-937D6E869F97}"/>
+                <a16:creationId xmlns:a16="http://schemas.microsoft.com/office/drawing/2014/main" id="{C5757466-D780-6B10-0D8B-7005FE4CF880}"/>
               </a:ext>
             </a:extLst>
           </p:cNvPr>
@@ -1380,7 +1380,7 @@
           <p:cNvPr id="5" name="日期占位符 4">
             <a:extLst>
               <a:ext uri="{FF2B5EF4-FFF2-40B4-BE49-F238E27FC236}">
-                <a16:creationId xmlns:a16="http://schemas.microsoft.com/office/drawing/2014/main" id="{2DB185D7-AD42-4EC9-BC57-313CA81AC4D6}"/>
+                <a16:creationId xmlns:a16="http://schemas.microsoft.com/office/drawing/2014/main" id="{F9DD1BA1-5EFB-6E65-7A70-958740878A06}"/>
               </a:ext>
             </a:extLst>
           </p:cNvPr>
@@ -1396,7 +1396,7 @@
           <a:bodyPr/>
           <a:lstStyle/>
           <a:p>
-            <a:fld id="{AE791322-2E2C-4236-BF62-A4A755FF58E3}" type="datetimeFigureOut">
+            <a:fld id="{D6CE6485-3815-42C4-ACDE-7B137D3B10DA}" type="datetimeFigureOut">
               <a:rPr lang="zh-CN" altLang="en-US" smtClean="0"/>
               <a:t>2024/3/10</a:t>
             </a:fld>
@@ -1409,7 +1409,7 @@
           <p:cNvPr id="6" name="页脚占位符 5">
             <a:extLst>
               <a:ext uri="{FF2B5EF4-FFF2-40B4-BE49-F238E27FC236}">
-                <a16:creationId xmlns:a16="http://schemas.microsoft.com/office/drawing/2014/main" id="{217E6027-949A-DF09-5BD0-C9D613A0DB37}"/>
+                <a16:creationId xmlns:a16="http://schemas.microsoft.com/office/drawing/2014/main" id="{3461DE6D-532D-AF3C-C203-75F2861CE410}"/>
               </a:ext>
             </a:extLst>
           </p:cNvPr>
@@ -1434,7 +1434,7 @@
           <p:cNvPr id="7" name="灯片编号占位符 6">
             <a:extLst>
               <a:ext uri="{FF2B5EF4-FFF2-40B4-BE49-F238E27FC236}">
-                <a16:creationId xmlns:a16="http://schemas.microsoft.com/office/drawing/2014/main" id="{C4EB8FA0-1015-1F85-7FD9-F390B0D9578F}"/>
+                <a16:creationId xmlns:a16="http://schemas.microsoft.com/office/drawing/2014/main" id="{64A2BCCB-D8EE-86AE-4EF4-7753F83A786A}"/>
               </a:ext>
             </a:extLst>
           </p:cNvPr>
@@ -1450,7 +1450,7 @@
           <a:bodyPr/>
           <a:lstStyle/>
           <a:p>
-            <a:fld id="{EC3987D3-B08C-4923-85BD-FC4CC5B75BFB}" type="slidenum">
+            <a:fld id="{E7050A2E-CB4F-45C0-9540-0E8B92B04948}" type="slidenum">
               <a:rPr lang="zh-CN" altLang="en-US" smtClean="0"/>
               <a:t>‹#›</a:t>
             </a:fld>
@@ -1461,7 +1461,7 @@
     </p:spTree>
     <p:extLst>
       <p:ext uri="{BB962C8B-B14F-4D97-AF65-F5344CB8AC3E}">
-        <p14:creationId xmlns:p14="http://schemas.microsoft.com/office/powerpoint/2010/main" val="2426523066"/>
+        <p14:creationId xmlns:p14="http://schemas.microsoft.com/office/powerpoint/2010/main" val="3562048829"/>
       </p:ext>
     </p:extLst>
   </p:cSld>
@@ -1493,7 +1493,7 @@
           <p:cNvPr id="2" name="标题 1">
             <a:extLst>
               <a:ext uri="{FF2B5EF4-FFF2-40B4-BE49-F238E27FC236}">
-                <a16:creationId xmlns:a16="http://schemas.microsoft.com/office/drawing/2014/main" id="{6F567EA9-2ECD-2F48-59BA-6342CFF2A764}"/>
+                <a16:creationId xmlns:a16="http://schemas.microsoft.com/office/drawing/2014/main" id="{A594756C-485A-69E2-D739-908923647A7A}"/>
               </a:ext>
             </a:extLst>
           </p:cNvPr>
@@ -1526,7 +1526,7 @@
           <p:cNvPr id="3" name="文本占位符 2">
             <a:extLst>
               <a:ext uri="{FF2B5EF4-FFF2-40B4-BE49-F238E27FC236}">
-                <a16:creationId xmlns:a16="http://schemas.microsoft.com/office/drawing/2014/main" id="{35249B85-4DFA-3080-7CCB-3010F97BC499}"/>
+                <a16:creationId xmlns:a16="http://schemas.microsoft.com/office/drawing/2014/main" id="{61C1E21A-E1CC-2D38-2458-7F32BD4AC82C}"/>
               </a:ext>
             </a:extLst>
           </p:cNvPr>
@@ -1597,7 +1597,7 @@
           <p:cNvPr id="4" name="内容占位符 3">
             <a:extLst>
               <a:ext uri="{FF2B5EF4-FFF2-40B4-BE49-F238E27FC236}">
-                <a16:creationId xmlns:a16="http://schemas.microsoft.com/office/drawing/2014/main" id="{CC1202B9-3792-71D2-784D-2F5FCDE810A3}"/>
+                <a16:creationId xmlns:a16="http://schemas.microsoft.com/office/drawing/2014/main" id="{E3C8DFD7-2BAA-F5AC-D3C5-5D86155BD1A4}"/>
               </a:ext>
             </a:extLst>
           </p:cNvPr>
@@ -1659,7 +1659,7 @@
           <p:cNvPr id="5" name="文本占位符 4">
             <a:extLst>
               <a:ext uri="{FF2B5EF4-FFF2-40B4-BE49-F238E27FC236}">
-                <a16:creationId xmlns:a16="http://schemas.microsoft.com/office/drawing/2014/main" id="{67FED03D-A727-2535-2C29-B9F2C4A90889}"/>
+                <a16:creationId xmlns:a16="http://schemas.microsoft.com/office/drawing/2014/main" id="{50747EE5-F237-419F-8154-CB32C9387716}"/>
               </a:ext>
             </a:extLst>
           </p:cNvPr>
@@ -1730,7 +1730,7 @@
           <p:cNvPr id="6" name="内容占位符 5">
             <a:extLst>
               <a:ext uri="{FF2B5EF4-FFF2-40B4-BE49-F238E27FC236}">
-                <a16:creationId xmlns:a16="http://schemas.microsoft.com/office/drawing/2014/main" id="{20639F32-65DD-351B-8143-8DADF0335411}"/>
+                <a16:creationId xmlns:a16="http://schemas.microsoft.com/office/drawing/2014/main" id="{C3E096CA-DC7F-D6FA-5B5A-7A6124A34B86}"/>
               </a:ext>
             </a:extLst>
           </p:cNvPr>
@@ -1792,7 +1792,7 @@
           <p:cNvPr id="7" name="日期占位符 6">
             <a:extLst>
               <a:ext uri="{FF2B5EF4-FFF2-40B4-BE49-F238E27FC236}">
-                <a16:creationId xmlns:a16="http://schemas.microsoft.com/office/drawing/2014/main" id="{C2EAEC10-7D8B-3297-1F78-AF7ECCC98991}"/>
+                <a16:creationId xmlns:a16="http://schemas.microsoft.com/office/drawing/2014/main" id="{D19EBFF2-72DE-708F-3463-0789835C3FCC}"/>
               </a:ext>
             </a:extLst>
           </p:cNvPr>
@@ -1808,7 +1808,7 @@
           <a:bodyPr/>
           <a:lstStyle/>
           <a:p>
-            <a:fld id="{AE791322-2E2C-4236-BF62-A4A755FF58E3}" type="datetimeFigureOut">
+            <a:fld id="{D6CE6485-3815-42C4-ACDE-7B137D3B10DA}" type="datetimeFigureOut">
               <a:rPr lang="zh-CN" altLang="en-US" smtClean="0"/>
               <a:t>2024/3/10</a:t>
             </a:fld>
@@ -1821,7 +1821,7 @@
           <p:cNvPr id="8" name="页脚占位符 7">
             <a:extLst>
               <a:ext uri="{FF2B5EF4-FFF2-40B4-BE49-F238E27FC236}">
-                <a16:creationId xmlns:a16="http://schemas.microsoft.com/office/drawing/2014/main" id="{88F258AF-B6CB-ADA3-354E-DCB1685DA0B0}"/>
+                <a16:creationId xmlns:a16="http://schemas.microsoft.com/office/drawing/2014/main" id="{1BCEB614-9159-AA52-53C1-02BA091AEF45}"/>
               </a:ext>
             </a:extLst>
           </p:cNvPr>
@@ -1846,7 +1846,7 @@
           <p:cNvPr id="9" name="灯片编号占位符 8">
             <a:extLst>
               <a:ext uri="{FF2B5EF4-FFF2-40B4-BE49-F238E27FC236}">
-                <a16:creationId xmlns:a16="http://schemas.microsoft.com/office/drawing/2014/main" id="{8CDF2EED-A908-4024-D177-41434994D8FF}"/>
+                <a16:creationId xmlns:a16="http://schemas.microsoft.com/office/drawing/2014/main" id="{4D78E8D0-2FD2-0D83-3CD2-1479310AF85A}"/>
               </a:ext>
             </a:extLst>
           </p:cNvPr>
@@ -1862,7 +1862,7 @@
           <a:bodyPr/>
           <a:lstStyle/>
           <a:p>
-            <a:fld id="{EC3987D3-B08C-4923-85BD-FC4CC5B75BFB}" type="slidenum">
+            <a:fld id="{E7050A2E-CB4F-45C0-9540-0E8B92B04948}" type="slidenum">
               <a:rPr lang="zh-CN" altLang="en-US" smtClean="0"/>
               <a:t>‹#›</a:t>
             </a:fld>
@@ -1873,7 +1873,7 @@
     </p:spTree>
     <p:extLst>
       <p:ext uri="{BB962C8B-B14F-4D97-AF65-F5344CB8AC3E}">
-        <p14:creationId xmlns:p14="http://schemas.microsoft.com/office/powerpoint/2010/main" val="2297243769"/>
+        <p14:creationId xmlns:p14="http://schemas.microsoft.com/office/powerpoint/2010/main" val="289785787"/>
       </p:ext>
     </p:extLst>
   </p:cSld>
@@ -1905,7 +1905,7 @@
           <p:cNvPr id="2" name="标题 1">
             <a:extLst>
               <a:ext uri="{FF2B5EF4-FFF2-40B4-BE49-F238E27FC236}">
-                <a16:creationId xmlns:a16="http://schemas.microsoft.com/office/drawing/2014/main" id="{A8742C5E-93AC-8071-CE4D-6BBF38C120D4}"/>
+                <a16:creationId xmlns:a16="http://schemas.microsoft.com/office/drawing/2014/main" id="{C4DB3A4B-7055-E35A-A417-E6F10BFF9122}"/>
               </a:ext>
             </a:extLst>
           </p:cNvPr>
@@ -1933,7 +1933,7 @@
           <p:cNvPr id="3" name="日期占位符 2">
             <a:extLst>
               <a:ext uri="{FF2B5EF4-FFF2-40B4-BE49-F238E27FC236}">
-                <a16:creationId xmlns:a16="http://schemas.microsoft.com/office/drawing/2014/main" id="{4CF59836-9983-5C6D-BC91-112D6E8BDC9E}"/>
+                <a16:creationId xmlns:a16="http://schemas.microsoft.com/office/drawing/2014/main" id="{9DF07052-D9D8-3DF2-4DA2-9FCAFC0F35C4}"/>
               </a:ext>
             </a:extLst>
           </p:cNvPr>
@@ -1949,7 +1949,7 @@
           <a:bodyPr/>
           <a:lstStyle/>
           <a:p>
-            <a:fld id="{AE791322-2E2C-4236-BF62-A4A755FF58E3}" type="datetimeFigureOut">
+            <a:fld id="{D6CE6485-3815-42C4-ACDE-7B137D3B10DA}" type="datetimeFigureOut">
               <a:rPr lang="zh-CN" altLang="en-US" smtClean="0"/>
               <a:t>2024/3/10</a:t>
             </a:fld>
@@ -1962,7 +1962,7 @@
           <p:cNvPr id="4" name="页脚占位符 3">
             <a:extLst>
               <a:ext uri="{FF2B5EF4-FFF2-40B4-BE49-F238E27FC236}">
-                <a16:creationId xmlns:a16="http://schemas.microsoft.com/office/drawing/2014/main" id="{3EBBC8D6-DFC3-3C84-2364-A352B1CE288D}"/>
+                <a16:creationId xmlns:a16="http://schemas.microsoft.com/office/drawing/2014/main" id="{8D0D1943-3D9D-E4F0-11C2-706588F6A9BB}"/>
               </a:ext>
             </a:extLst>
           </p:cNvPr>
@@ -1987,7 +1987,7 @@
           <p:cNvPr id="5" name="灯片编号占位符 4">
             <a:extLst>
               <a:ext uri="{FF2B5EF4-FFF2-40B4-BE49-F238E27FC236}">
-                <a16:creationId xmlns:a16="http://schemas.microsoft.com/office/drawing/2014/main" id="{35E3FCC9-0683-BDEA-EFD6-FABEE87132B5}"/>
+                <a16:creationId xmlns:a16="http://schemas.microsoft.com/office/drawing/2014/main" id="{A99B1382-CAF7-3B80-3C62-E076AEBA9360}"/>
               </a:ext>
             </a:extLst>
           </p:cNvPr>
@@ -2003,7 +2003,7 @@
           <a:bodyPr/>
           <a:lstStyle/>
           <a:p>
-            <a:fld id="{EC3987D3-B08C-4923-85BD-FC4CC5B75BFB}" type="slidenum">
+            <a:fld id="{E7050A2E-CB4F-45C0-9540-0E8B92B04948}" type="slidenum">
               <a:rPr lang="zh-CN" altLang="en-US" smtClean="0"/>
               <a:t>‹#›</a:t>
             </a:fld>
@@ -2014,7 +2014,7 @@
     </p:spTree>
     <p:extLst>
       <p:ext uri="{BB962C8B-B14F-4D97-AF65-F5344CB8AC3E}">
-        <p14:creationId xmlns:p14="http://schemas.microsoft.com/office/powerpoint/2010/main" val="122796409"/>
+        <p14:creationId xmlns:p14="http://schemas.microsoft.com/office/powerpoint/2010/main" val="4271685712"/>
       </p:ext>
     </p:extLst>
   </p:cSld>
@@ -2046,7 +2046,7 @@
           <p:cNvPr id="2" name="日期占位符 1">
             <a:extLst>
               <a:ext uri="{FF2B5EF4-FFF2-40B4-BE49-F238E27FC236}">
-                <a16:creationId xmlns:a16="http://schemas.microsoft.com/office/drawing/2014/main" id="{F04F2933-209B-DDDE-BFD6-429B71B75D4E}"/>
+                <a16:creationId xmlns:a16="http://schemas.microsoft.com/office/drawing/2014/main" id="{17A0B74E-BF57-CE22-B5D2-7837AD830161}"/>
               </a:ext>
             </a:extLst>
           </p:cNvPr>
@@ -2062,7 +2062,7 @@
           <a:bodyPr/>
           <a:lstStyle/>
           <a:p>
-            <a:fld id="{AE791322-2E2C-4236-BF62-A4A755FF58E3}" type="datetimeFigureOut">
+            <a:fld id="{D6CE6485-3815-42C4-ACDE-7B137D3B10DA}" type="datetimeFigureOut">
               <a:rPr lang="zh-CN" altLang="en-US" smtClean="0"/>
               <a:t>2024/3/10</a:t>
             </a:fld>
@@ -2075,7 +2075,7 @@
           <p:cNvPr id="3" name="页脚占位符 2">
             <a:extLst>
               <a:ext uri="{FF2B5EF4-FFF2-40B4-BE49-F238E27FC236}">
-                <a16:creationId xmlns:a16="http://schemas.microsoft.com/office/drawing/2014/main" id="{BF27284D-AA7E-77A4-1B54-1703373A3471}"/>
+                <a16:creationId xmlns:a16="http://schemas.microsoft.com/office/drawing/2014/main" id="{52516424-CD4B-ACE0-47D9-E762FD81F2CD}"/>
               </a:ext>
             </a:extLst>
           </p:cNvPr>
@@ -2100,7 +2100,7 @@
           <p:cNvPr id="4" name="灯片编号占位符 3">
             <a:extLst>
               <a:ext uri="{FF2B5EF4-FFF2-40B4-BE49-F238E27FC236}">
-                <a16:creationId xmlns:a16="http://schemas.microsoft.com/office/drawing/2014/main" id="{67706F82-0DA8-8011-F26C-39CA370F1030}"/>
+                <a16:creationId xmlns:a16="http://schemas.microsoft.com/office/drawing/2014/main" id="{72CE41D1-15B0-B728-5201-EBA18B7031C7}"/>
               </a:ext>
             </a:extLst>
           </p:cNvPr>
@@ -2116,7 +2116,7 @@
           <a:bodyPr/>
           <a:lstStyle/>
           <a:p>
-            <a:fld id="{EC3987D3-B08C-4923-85BD-FC4CC5B75BFB}" type="slidenum">
+            <a:fld id="{E7050A2E-CB4F-45C0-9540-0E8B92B04948}" type="slidenum">
               <a:rPr lang="zh-CN" altLang="en-US" smtClean="0"/>
               <a:t>‹#›</a:t>
             </a:fld>
@@ -2127,7 +2127,7 @@
     </p:spTree>
     <p:extLst>
       <p:ext uri="{BB962C8B-B14F-4D97-AF65-F5344CB8AC3E}">
-        <p14:creationId xmlns:p14="http://schemas.microsoft.com/office/powerpoint/2010/main" val="3238256325"/>
+        <p14:creationId xmlns:p14="http://schemas.microsoft.com/office/powerpoint/2010/main" val="2966294076"/>
       </p:ext>
     </p:extLst>
   </p:cSld>
@@ -2159,7 +2159,7 @@
           <p:cNvPr id="2" name="标题 1">
             <a:extLst>
               <a:ext uri="{FF2B5EF4-FFF2-40B4-BE49-F238E27FC236}">
-                <a16:creationId xmlns:a16="http://schemas.microsoft.com/office/drawing/2014/main" id="{32FFB525-4F41-0EFE-0C62-6A0B0B1205D1}"/>
+                <a16:creationId xmlns:a16="http://schemas.microsoft.com/office/drawing/2014/main" id="{773412FB-9697-14B7-4763-48E2BBCCD25E}"/>
               </a:ext>
             </a:extLst>
           </p:cNvPr>
@@ -2196,7 +2196,7 @@
           <p:cNvPr id="3" name="内容占位符 2">
             <a:extLst>
               <a:ext uri="{FF2B5EF4-FFF2-40B4-BE49-F238E27FC236}">
-                <a16:creationId xmlns:a16="http://schemas.microsoft.com/office/drawing/2014/main" id="{C793B8AD-24F3-D64A-C434-59E85A555CB0}"/>
+                <a16:creationId xmlns:a16="http://schemas.microsoft.com/office/drawing/2014/main" id="{B4B69187-32D2-F1F6-A952-2B985639BD01}"/>
               </a:ext>
             </a:extLst>
           </p:cNvPr>
@@ -2286,7 +2286,7 @@
           <p:cNvPr id="4" name="文本占位符 3">
             <a:extLst>
               <a:ext uri="{FF2B5EF4-FFF2-40B4-BE49-F238E27FC236}">
-                <a16:creationId xmlns:a16="http://schemas.microsoft.com/office/drawing/2014/main" id="{86760012-94E5-BD8E-8803-FF04AF8BBF46}"/>
+                <a16:creationId xmlns:a16="http://schemas.microsoft.com/office/drawing/2014/main" id="{F833C422-E0F1-D27F-1FFE-C585F7451350}"/>
               </a:ext>
             </a:extLst>
           </p:cNvPr>
@@ -2357,7 +2357,7 @@
           <p:cNvPr id="5" name="日期占位符 4">
             <a:extLst>
               <a:ext uri="{FF2B5EF4-FFF2-40B4-BE49-F238E27FC236}">
-                <a16:creationId xmlns:a16="http://schemas.microsoft.com/office/drawing/2014/main" id="{91526773-5F73-17F7-8A46-21A49BAF8936}"/>
+                <a16:creationId xmlns:a16="http://schemas.microsoft.com/office/drawing/2014/main" id="{7523BF1F-406E-6FCE-2B16-B6670408A63A}"/>
               </a:ext>
             </a:extLst>
           </p:cNvPr>
@@ -2373,7 +2373,7 @@
           <a:bodyPr/>
           <a:lstStyle/>
           <a:p>
-            <a:fld id="{AE791322-2E2C-4236-BF62-A4A755FF58E3}" type="datetimeFigureOut">
+            <a:fld id="{D6CE6485-3815-42C4-ACDE-7B137D3B10DA}" type="datetimeFigureOut">
               <a:rPr lang="zh-CN" altLang="en-US" smtClean="0"/>
               <a:t>2024/3/10</a:t>
             </a:fld>
@@ -2386,7 +2386,7 @@
           <p:cNvPr id="6" name="页脚占位符 5">
             <a:extLst>
               <a:ext uri="{FF2B5EF4-FFF2-40B4-BE49-F238E27FC236}">
-                <a16:creationId xmlns:a16="http://schemas.microsoft.com/office/drawing/2014/main" id="{2D366A26-E41F-D808-DB29-A6088BCF0FB5}"/>
+                <a16:creationId xmlns:a16="http://schemas.microsoft.com/office/drawing/2014/main" id="{5BF034A8-C5BA-C89F-7854-9B16CBF85339}"/>
               </a:ext>
             </a:extLst>
           </p:cNvPr>
@@ -2411,7 +2411,7 @@
           <p:cNvPr id="7" name="灯片编号占位符 6">
             <a:extLst>
               <a:ext uri="{FF2B5EF4-FFF2-40B4-BE49-F238E27FC236}">
-                <a16:creationId xmlns:a16="http://schemas.microsoft.com/office/drawing/2014/main" id="{3FD8F9A7-571E-C9B6-B672-7BE3666DF478}"/>
+                <a16:creationId xmlns:a16="http://schemas.microsoft.com/office/drawing/2014/main" id="{BE035BFA-EB5B-A62D-7BD8-87273C95FDB2}"/>
               </a:ext>
             </a:extLst>
           </p:cNvPr>
@@ -2427,7 +2427,7 @@
           <a:bodyPr/>
           <a:lstStyle/>
           <a:p>
-            <a:fld id="{EC3987D3-B08C-4923-85BD-FC4CC5B75BFB}" type="slidenum">
+            <a:fld id="{E7050A2E-CB4F-45C0-9540-0E8B92B04948}" type="slidenum">
               <a:rPr lang="zh-CN" altLang="en-US" smtClean="0"/>
               <a:t>‹#›</a:t>
             </a:fld>
@@ -2438,7 +2438,7 @@
     </p:spTree>
     <p:extLst>
       <p:ext uri="{BB962C8B-B14F-4D97-AF65-F5344CB8AC3E}">
-        <p14:creationId xmlns:p14="http://schemas.microsoft.com/office/powerpoint/2010/main" val="828441063"/>
+        <p14:creationId xmlns:p14="http://schemas.microsoft.com/office/powerpoint/2010/main" val="835694754"/>
       </p:ext>
     </p:extLst>
   </p:cSld>
@@ -2470,7 +2470,7 @@
           <p:cNvPr id="2" name="标题 1">
             <a:extLst>
               <a:ext uri="{FF2B5EF4-FFF2-40B4-BE49-F238E27FC236}">
-                <a16:creationId xmlns:a16="http://schemas.microsoft.com/office/drawing/2014/main" id="{211C39DA-5566-1D4D-C7C0-4CE2C4855A82}"/>
+                <a16:creationId xmlns:a16="http://schemas.microsoft.com/office/drawing/2014/main" id="{33C067AD-6BB9-5DE8-B7F3-BC9B122AB03D}"/>
               </a:ext>
             </a:extLst>
           </p:cNvPr>
@@ -2507,7 +2507,7 @@
           <p:cNvPr id="3" name="图片占位符 2">
             <a:extLst>
               <a:ext uri="{FF2B5EF4-FFF2-40B4-BE49-F238E27FC236}">
-                <a16:creationId xmlns:a16="http://schemas.microsoft.com/office/drawing/2014/main" id="{700B8B10-E428-AC1A-3671-A68B1D22FAA1}"/>
+                <a16:creationId xmlns:a16="http://schemas.microsoft.com/office/drawing/2014/main" id="{B95FD0C7-40A7-BEE7-9782-B516BDA016DB}"/>
               </a:ext>
             </a:extLst>
           </p:cNvPr>
@@ -2574,7 +2574,7 @@
           <p:cNvPr id="4" name="文本占位符 3">
             <a:extLst>
               <a:ext uri="{FF2B5EF4-FFF2-40B4-BE49-F238E27FC236}">
-                <a16:creationId xmlns:a16="http://schemas.microsoft.com/office/drawing/2014/main" id="{AA8E8287-6669-B045-D39A-EFFE6D964B48}"/>
+                <a16:creationId xmlns:a16="http://schemas.microsoft.com/office/drawing/2014/main" id="{99DBEC97-7A41-A262-FC22-96A31FBDBA31}"/>
               </a:ext>
             </a:extLst>
           </p:cNvPr>
@@ -2645,7 +2645,7 @@
           <p:cNvPr id="5" name="日期占位符 4">
             <a:extLst>
               <a:ext uri="{FF2B5EF4-FFF2-40B4-BE49-F238E27FC236}">
-                <a16:creationId xmlns:a16="http://schemas.microsoft.com/office/drawing/2014/main" id="{7757120C-A8A9-0810-5240-83458EEBFFC1}"/>
+                <a16:creationId xmlns:a16="http://schemas.microsoft.com/office/drawing/2014/main" id="{D90126A9-9CCE-B6D0-FA49-548910AE3D5D}"/>
               </a:ext>
             </a:extLst>
           </p:cNvPr>
@@ -2661,7 +2661,7 @@
           <a:bodyPr/>
           <a:lstStyle/>
           <a:p>
-            <a:fld id="{AE791322-2E2C-4236-BF62-A4A755FF58E3}" type="datetimeFigureOut">
+            <a:fld id="{D6CE6485-3815-42C4-ACDE-7B137D3B10DA}" type="datetimeFigureOut">
               <a:rPr lang="zh-CN" altLang="en-US" smtClean="0"/>
               <a:t>2024/3/10</a:t>
             </a:fld>
@@ -2674,7 +2674,7 @@
           <p:cNvPr id="6" name="页脚占位符 5">
             <a:extLst>
               <a:ext uri="{FF2B5EF4-FFF2-40B4-BE49-F238E27FC236}">
-                <a16:creationId xmlns:a16="http://schemas.microsoft.com/office/drawing/2014/main" id="{C0074E90-45BA-47E0-72AD-800263CB1722}"/>
+                <a16:creationId xmlns:a16="http://schemas.microsoft.com/office/drawing/2014/main" id="{5BB80510-A6EE-8F79-56E8-15F16CAEB103}"/>
               </a:ext>
             </a:extLst>
           </p:cNvPr>
@@ -2699,7 +2699,7 @@
           <p:cNvPr id="7" name="灯片编号占位符 6">
             <a:extLst>
               <a:ext uri="{FF2B5EF4-FFF2-40B4-BE49-F238E27FC236}">
-                <a16:creationId xmlns:a16="http://schemas.microsoft.com/office/drawing/2014/main" id="{D57D1FBC-D98C-8C71-FAA3-428E7CC041DC}"/>
+                <a16:creationId xmlns:a16="http://schemas.microsoft.com/office/drawing/2014/main" id="{42B4836E-AC5C-FFC6-8C05-DFA0BC2E8A7A}"/>
               </a:ext>
             </a:extLst>
           </p:cNvPr>
@@ -2715,7 +2715,7 @@
           <a:bodyPr/>
           <a:lstStyle/>
           <a:p>
-            <a:fld id="{EC3987D3-B08C-4923-85BD-FC4CC5B75BFB}" type="slidenum">
+            <a:fld id="{E7050A2E-CB4F-45C0-9540-0E8B92B04948}" type="slidenum">
               <a:rPr lang="zh-CN" altLang="en-US" smtClean="0"/>
               <a:t>‹#›</a:t>
             </a:fld>
@@ -2726,7 +2726,7 @@
     </p:spTree>
     <p:extLst>
       <p:ext uri="{BB962C8B-B14F-4D97-AF65-F5344CB8AC3E}">
-        <p14:creationId xmlns:p14="http://schemas.microsoft.com/office/powerpoint/2010/main" val="3078239447"/>
+        <p14:creationId xmlns:p14="http://schemas.microsoft.com/office/powerpoint/2010/main" val="2246668623"/>
       </p:ext>
     </p:extLst>
   </p:cSld>
@@ -2763,7 +2763,7 @@
           <p:cNvPr id="2" name="标题占位符 1">
             <a:extLst>
               <a:ext uri="{FF2B5EF4-FFF2-40B4-BE49-F238E27FC236}">
-                <a16:creationId xmlns:a16="http://schemas.microsoft.com/office/drawing/2014/main" id="{88AE413E-32A8-521F-9898-9490388B0A6B}"/>
+                <a16:creationId xmlns:a16="http://schemas.microsoft.com/office/drawing/2014/main" id="{00B27CE5-9D33-D2A2-704C-6667109C6C96}"/>
               </a:ext>
             </a:extLst>
           </p:cNvPr>
@@ -2801,7 +2801,7 @@
           <p:cNvPr id="3" name="文本占位符 2">
             <a:extLst>
               <a:ext uri="{FF2B5EF4-FFF2-40B4-BE49-F238E27FC236}">
-                <a16:creationId xmlns:a16="http://schemas.microsoft.com/office/drawing/2014/main" id="{19C1CA7A-E313-F9B1-8875-7ADDD433DC80}"/>
+                <a16:creationId xmlns:a16="http://schemas.microsoft.com/office/drawing/2014/main" id="{AF1EF94F-924A-7880-F3D9-1D2BF2141CE0}"/>
               </a:ext>
             </a:extLst>
           </p:cNvPr>
@@ -2868,7 +2868,7 @@
           <p:cNvPr id="4" name="日期占位符 3">
             <a:extLst>
               <a:ext uri="{FF2B5EF4-FFF2-40B4-BE49-F238E27FC236}">
-                <a16:creationId xmlns:a16="http://schemas.microsoft.com/office/drawing/2014/main" id="{994C7029-87B2-2738-CA3B-51788F1FE4BC}"/>
+                <a16:creationId xmlns:a16="http://schemas.microsoft.com/office/drawing/2014/main" id="{CBE308DF-5C9D-0315-AD4D-60FBCA276D5A}"/>
               </a:ext>
             </a:extLst>
           </p:cNvPr>
@@ -2902,7 +2902,7 @@
             </a:lvl1pPr>
           </a:lstStyle>
           <a:p>
-            <a:fld id="{AE791322-2E2C-4236-BF62-A4A755FF58E3}" type="datetimeFigureOut">
+            <a:fld id="{D6CE6485-3815-42C4-ACDE-7B137D3B10DA}" type="datetimeFigureOut">
               <a:rPr lang="zh-CN" altLang="en-US" smtClean="0"/>
               <a:t>2024/3/10</a:t>
             </a:fld>
@@ -2915,7 +2915,7 @@
           <p:cNvPr id="5" name="页脚占位符 4">
             <a:extLst>
               <a:ext uri="{FF2B5EF4-FFF2-40B4-BE49-F238E27FC236}">
-                <a16:creationId xmlns:a16="http://schemas.microsoft.com/office/drawing/2014/main" id="{2B8A3D5E-0EA0-D3CD-295A-8A67DCA5C17E}"/>
+                <a16:creationId xmlns:a16="http://schemas.microsoft.com/office/drawing/2014/main" id="{933CBBC5-1EC2-64DE-F278-264F8D400902}"/>
               </a:ext>
             </a:extLst>
           </p:cNvPr>
@@ -2958,7 +2958,7 @@
           <p:cNvPr id="6" name="灯片编号占位符 5">
             <a:extLst>
               <a:ext uri="{FF2B5EF4-FFF2-40B4-BE49-F238E27FC236}">
-                <a16:creationId xmlns:a16="http://schemas.microsoft.com/office/drawing/2014/main" id="{6EB725A6-534C-13F1-F2BC-2402A7AF63BE}"/>
+                <a16:creationId xmlns:a16="http://schemas.microsoft.com/office/drawing/2014/main" id="{81D50EA9-3C3B-9712-74AC-13AFB4028C3B}"/>
               </a:ext>
             </a:extLst>
           </p:cNvPr>
@@ -2992,7 +2992,7 @@
             </a:lvl1pPr>
           </a:lstStyle>
           <a:p>
-            <a:fld id="{EC3987D3-B08C-4923-85BD-FC4CC5B75BFB}" type="slidenum">
+            <a:fld id="{E7050A2E-CB4F-45C0-9540-0E8B92B04948}" type="slidenum">
               <a:rPr lang="zh-CN" altLang="en-US" smtClean="0"/>
               <a:t>‹#›</a:t>
             </a:fld>
@@ -3003,7 +3003,7 @@
     </p:spTree>
     <p:extLst>
       <p:ext uri="{BB962C8B-B14F-4D97-AF65-F5344CB8AC3E}">
-        <p14:creationId xmlns:p14="http://schemas.microsoft.com/office/powerpoint/2010/main" val="2603834835"/>
+        <p14:creationId xmlns:p14="http://schemas.microsoft.com/office/powerpoint/2010/main" val="2303703095"/>
       </p:ext>
     </p:extLst>
   </p:cSld>
@@ -3323,7 +3323,7 @@
       </p:grpSpPr>
       <p:pic>
         <p:nvPicPr>
-          <p:cNvPr id="331778" name="Picture 2" descr="323"/>
+          <p:cNvPr id="332802" name="Picture 2" descr="324"/>
           <p:cNvPicPr>
             <a:picLocks noChangeAspect="1" noChangeArrowheads="1"/>
           </p:cNvPicPr>
@@ -3344,8 +3344,8 @@
         </p:blipFill>
         <p:spPr bwMode="auto">
           <a:xfrm>
-            <a:off x="1524000" y="1"/>
-            <a:ext cx="9144000" cy="3933825"/>
+            <a:off x="1524000" y="0"/>
+            <a:ext cx="9144000" cy="6859588"/>
           </a:xfrm>
           <a:prstGeom prst="rect">
             <a:avLst/>
@@ -3375,11 +3375,158 @@
           </a:extLst>
         </p:spPr>
       </p:pic>
+      <p:pic>
+        <p:nvPicPr>
+          <p:cNvPr id="333827" name="Picture 3" descr="324-2"/>
+          <p:cNvPicPr>
+            <a:picLocks noChangeAspect="1" noChangeArrowheads="1"/>
+          </p:cNvPicPr>
+          <p:nvPr/>
+        </p:nvPicPr>
+        <p:blipFill>
+          <a:blip r:embed="rId3">
+            <a:extLst>
+              <a:ext uri="{28A0092B-C50C-407E-A947-70E740481C1C}">
+                <a14:useLocalDpi xmlns:a14="http://schemas.microsoft.com/office/drawing/2010/main" val="0"/>
+              </a:ext>
+            </a:extLst>
+          </a:blip>
+          <a:srcRect/>
+          <a:stretch>
+            <a:fillRect/>
+          </a:stretch>
+        </p:blipFill>
+        <p:spPr bwMode="auto">
+          <a:xfrm>
+            <a:off x="1524000" y="0"/>
+            <a:ext cx="9144000" cy="6858000"/>
+          </a:xfrm>
+          <a:prstGeom prst="rect">
+            <a:avLst/>
+          </a:prstGeom>
+          <a:noFill/>
+          <a:ln>
+            <a:noFill/>
+          </a:ln>
+          <a:effectLst/>
+          <a:extLst>
+            <a:ext uri="{909E8E84-426E-40DD-AFC4-6F175D3DCCD1}">
+              <a14:hiddenFill xmlns:a14="http://schemas.microsoft.com/office/drawing/2010/main">
+                <a:solidFill>
+                  <a:srgbClr val="FFFFFF"/>
+                </a:solidFill>
+              </a14:hiddenFill>
+            </a:ext>
+            <a:ext uri="{91240B29-F687-4F45-9708-019B960494DF}">
+              <a14:hiddenLine xmlns:a14="http://schemas.microsoft.com/office/drawing/2010/main" w="9525">
+                <a:solidFill>
+                  <a:srgbClr val="000000"/>
+                </a:solidFill>
+                <a:miter lim="800000"/>
+                <a:headEnd/>
+                <a:tailEnd/>
+              </a14:hiddenLine>
+            </a:ext>
+            <a:ext uri="{AF507438-7753-43E0-B8FC-AC1667EBCBE1}">
+              <a14:hiddenEffects xmlns:a14="http://schemas.microsoft.com/office/drawing/2010/main">
+                <a:effectLst>
+                  <a:outerShdw dist="35921" dir="2700000" algn="ctr" rotWithShape="0">
+                    <a:srgbClr val="808080"/>
+                  </a:outerShdw>
+                </a:effectLst>
+              </a14:hiddenEffects>
+            </a:ext>
+          </a:extLst>
+        </p:spPr>
+      </p:pic>
     </p:spTree>
   </p:cSld>
   <p:clrMapOvr>
     <a:masterClrMapping/>
   </p:clrMapOvr>
+  <p:timing>
+    <p:tnLst>
+      <p:par>
+        <p:cTn id="1" dur="indefinite" restart="never" nodeType="tmRoot">
+          <p:childTnLst>
+            <p:seq concurrent="1" nextAc="seek">
+              <p:cTn id="2" dur="indefinite" nodeType="mainSeq">
+                <p:childTnLst>
+                  <p:par>
+                    <p:cTn id="3" fill="hold" nodeType="clickPar">
+                      <p:stCondLst>
+                        <p:cond delay="indefinite"/>
+                      </p:stCondLst>
+                      <p:childTnLst>
+                        <p:par>
+                          <p:cTn id="4" fill="hold" nodeType="withGroup">
+                            <p:stCondLst>
+                              <p:cond delay="0"/>
+                            </p:stCondLst>
+                            <p:childTnLst>
+                              <p:par>
+                                <p:cTn id="5" presetID="10" presetClass="entr" presetSubtype="0" fill="hold" nodeType="clickEffect">
+                                  <p:stCondLst>
+                                    <p:cond delay="0"/>
+                                  </p:stCondLst>
+                                  <p:childTnLst>
+                                    <p:set>
+                                      <p:cBhvr>
+                                        <p:cTn id="6" dur="1" fill="hold">
+                                          <p:stCondLst>
+                                            <p:cond delay="0"/>
+                                          </p:stCondLst>
+                                        </p:cTn>
+                                        <p:tgtEl>
+                                          <p:spTgt spid="333827"/>
+                                        </p:tgtEl>
+                                        <p:attrNameLst>
+                                          <p:attrName>style.visibility</p:attrName>
+                                        </p:attrNameLst>
+                                      </p:cBhvr>
+                                      <p:to>
+                                        <p:strVal val="visible"/>
+                                      </p:to>
+                                    </p:set>
+                                    <p:animEffect transition="in" filter="fade">
+                                      <p:cBhvr>
+                                        <p:cTn id="7" dur="500"/>
+                                        <p:tgtEl>
+                                          <p:spTgt spid="333827"/>
+                                        </p:tgtEl>
+                                      </p:cBhvr>
+                                    </p:animEffect>
+                                  </p:childTnLst>
+                                </p:cTn>
+                              </p:par>
+                            </p:childTnLst>
+                          </p:cTn>
+                        </p:par>
+                      </p:childTnLst>
+                    </p:cTn>
+                  </p:par>
+                </p:childTnLst>
+              </p:cTn>
+              <p:prevCondLst>
+                <p:cond evt="onPrev" delay="0">
+                  <p:tgtEl>
+                    <p:sldTgt/>
+                  </p:tgtEl>
+                </p:cond>
+              </p:prevCondLst>
+              <p:nextCondLst>
+                <p:cond evt="onNext" delay="0">
+                  <p:tgtEl>
+                    <p:sldTgt/>
+                  </p:tgtEl>
+                </p:cond>
+              </p:nextCondLst>
+            </p:seq>
+          </p:childTnLst>
+        </p:cTn>
+      </p:par>
+    </p:tnLst>
+  </p:timing>
 </p:sld>
 </file>
 
